--- a/Project Presentation/PPT demo first presentation 26 12 2020.pptx
+++ b/Project Presentation/PPT demo first presentation 26 12 2020.pptx
@@ -160,10 +160,9 @@
           </a:lstStyle>
           <a:p>
             <a:r>
-              <a:rPr lang="en-US" smtClean="0"/>
+              <a:rPr lang="en-US"/>
               <a:t>Click to edit Master title style</a:t>
             </a:r>
-            <a:endParaRPr lang="en-US"/>
           </a:p>
         </p:txBody>
       </p:sp>
@@ -225,10 +224,9 @@
           </a:lstStyle>
           <a:p>
             <a:r>
-              <a:rPr lang="en-US" smtClean="0"/>
+              <a:rPr lang="en-US"/>
               <a:t>Click to edit Master subtitle style</a:t>
             </a:r>
-            <a:endParaRPr lang="en-US"/>
           </a:p>
         </p:txBody>
       </p:sp>
@@ -249,7 +247,7 @@
           <a:p>
             <a:fld id="{10B8E609-8106-4194-9A1E-806FDC5FBA7B}" type="datetimeFigureOut">
               <a:rPr lang="en-US" smtClean="0"/>
-              <a:t>1/20/2021</a:t>
+              <a:t>1/25/2021</a:t>
             </a:fld>
             <a:endParaRPr lang="en-US"/>
           </a:p>
@@ -343,10 +341,9 @@
           <a:lstStyle/>
           <a:p>
             <a:r>
-              <a:rPr lang="en-US" smtClean="0"/>
+              <a:rPr lang="en-US"/>
               <a:t>Click to edit Master title style</a:t>
             </a:r>
-            <a:endParaRPr lang="en-US"/>
           </a:p>
         </p:txBody>
       </p:sp>
@@ -367,38 +364,37 @@
           <a:p>
             <a:pPr lvl="0"/>
             <a:r>
-              <a:rPr lang="en-US" smtClean="0"/>
+              <a:rPr lang="en-US"/>
               <a:t>Edit Master text styles</a:t>
             </a:r>
           </a:p>
           <a:p>
             <a:pPr lvl="1"/>
             <a:r>
-              <a:rPr lang="en-US" smtClean="0"/>
+              <a:rPr lang="en-US"/>
               <a:t>Second level</a:t>
             </a:r>
           </a:p>
           <a:p>
             <a:pPr lvl="2"/>
             <a:r>
-              <a:rPr lang="en-US" smtClean="0"/>
+              <a:rPr lang="en-US"/>
               <a:t>Third level</a:t>
             </a:r>
           </a:p>
           <a:p>
             <a:pPr lvl="3"/>
             <a:r>
-              <a:rPr lang="en-US" smtClean="0"/>
+              <a:rPr lang="en-US"/>
               <a:t>Fourth level</a:t>
             </a:r>
           </a:p>
           <a:p>
             <a:pPr lvl="4"/>
             <a:r>
-              <a:rPr lang="en-US" smtClean="0"/>
+              <a:rPr lang="en-US"/>
               <a:t>Fifth level</a:t>
             </a:r>
-            <a:endParaRPr lang="en-US"/>
           </a:p>
         </p:txBody>
       </p:sp>
@@ -419,7 +415,7 @@
           <a:p>
             <a:fld id="{10B8E609-8106-4194-9A1E-806FDC5FBA7B}" type="datetimeFigureOut">
               <a:rPr lang="en-US" smtClean="0"/>
-              <a:t>1/20/2021</a:t>
+              <a:t>1/25/2021</a:t>
             </a:fld>
             <a:endParaRPr lang="en-US"/>
           </a:p>
@@ -518,10 +514,9 @@
           <a:lstStyle/>
           <a:p>
             <a:r>
-              <a:rPr lang="en-US" smtClean="0"/>
+              <a:rPr lang="en-US"/>
               <a:t>Click to edit Master title style</a:t>
             </a:r>
-            <a:endParaRPr lang="en-US"/>
           </a:p>
         </p:txBody>
       </p:sp>
@@ -547,38 +542,37 @@
           <a:p>
             <a:pPr lvl="0"/>
             <a:r>
-              <a:rPr lang="en-US" smtClean="0"/>
+              <a:rPr lang="en-US"/>
               <a:t>Edit Master text styles</a:t>
             </a:r>
           </a:p>
           <a:p>
             <a:pPr lvl="1"/>
             <a:r>
-              <a:rPr lang="en-US" smtClean="0"/>
+              <a:rPr lang="en-US"/>
               <a:t>Second level</a:t>
             </a:r>
           </a:p>
           <a:p>
             <a:pPr lvl="2"/>
             <a:r>
-              <a:rPr lang="en-US" smtClean="0"/>
+              <a:rPr lang="en-US"/>
               <a:t>Third level</a:t>
             </a:r>
           </a:p>
           <a:p>
             <a:pPr lvl="3"/>
             <a:r>
-              <a:rPr lang="en-US" smtClean="0"/>
+              <a:rPr lang="en-US"/>
               <a:t>Fourth level</a:t>
             </a:r>
           </a:p>
           <a:p>
             <a:pPr lvl="4"/>
             <a:r>
-              <a:rPr lang="en-US" smtClean="0"/>
+              <a:rPr lang="en-US"/>
               <a:t>Fifth level</a:t>
             </a:r>
-            <a:endParaRPr lang="en-US"/>
           </a:p>
         </p:txBody>
       </p:sp>
@@ -599,7 +593,7 @@
           <a:p>
             <a:fld id="{10B8E609-8106-4194-9A1E-806FDC5FBA7B}" type="datetimeFigureOut">
               <a:rPr lang="en-US" smtClean="0"/>
-              <a:t>1/20/2021</a:t>
+              <a:t>1/25/2021</a:t>
             </a:fld>
             <a:endParaRPr lang="en-US"/>
           </a:p>
@@ -693,10 +687,9 @@
           <a:lstStyle/>
           <a:p>
             <a:r>
-              <a:rPr lang="en-US" smtClean="0"/>
+              <a:rPr lang="en-US"/>
               <a:t>Click to edit Master title style</a:t>
             </a:r>
-            <a:endParaRPr lang="en-US"/>
           </a:p>
         </p:txBody>
       </p:sp>
@@ -717,38 +710,37 @@
           <a:p>
             <a:pPr lvl="0"/>
             <a:r>
-              <a:rPr lang="en-US" smtClean="0"/>
+              <a:rPr lang="en-US"/>
               <a:t>Edit Master text styles</a:t>
             </a:r>
           </a:p>
           <a:p>
             <a:pPr lvl="1"/>
             <a:r>
-              <a:rPr lang="en-US" smtClean="0"/>
+              <a:rPr lang="en-US"/>
               <a:t>Second level</a:t>
             </a:r>
           </a:p>
           <a:p>
             <a:pPr lvl="2"/>
             <a:r>
-              <a:rPr lang="en-US" smtClean="0"/>
+              <a:rPr lang="en-US"/>
               <a:t>Third level</a:t>
             </a:r>
           </a:p>
           <a:p>
             <a:pPr lvl="3"/>
             <a:r>
-              <a:rPr lang="en-US" smtClean="0"/>
+              <a:rPr lang="en-US"/>
               <a:t>Fourth level</a:t>
             </a:r>
           </a:p>
           <a:p>
             <a:pPr lvl="4"/>
             <a:r>
-              <a:rPr lang="en-US" smtClean="0"/>
+              <a:rPr lang="en-US"/>
               <a:t>Fifth level</a:t>
             </a:r>
-            <a:endParaRPr lang="en-US"/>
           </a:p>
         </p:txBody>
       </p:sp>
@@ -769,7 +761,7 @@
           <a:p>
             <a:fld id="{10B8E609-8106-4194-9A1E-806FDC5FBA7B}" type="datetimeFigureOut">
               <a:rPr lang="en-US" smtClean="0"/>
-              <a:t>1/20/2021</a:t>
+              <a:t>1/25/2021</a:t>
             </a:fld>
             <a:endParaRPr lang="en-US"/>
           </a:p>
@@ -872,10 +864,9 @@
           </a:lstStyle>
           <a:p>
             <a:r>
-              <a:rPr lang="en-US" smtClean="0"/>
+              <a:rPr lang="en-US"/>
               <a:t>Click to edit Master title style</a:t>
             </a:r>
-            <a:endParaRPr lang="en-US"/>
           </a:p>
         </p:txBody>
       </p:sp>
@@ -992,7 +983,7 @@
           <a:p>
             <a:pPr lvl="0"/>
             <a:r>
-              <a:rPr lang="en-US" smtClean="0"/>
+              <a:rPr lang="en-US"/>
               <a:t>Edit Master text styles</a:t>
             </a:r>
           </a:p>
@@ -1015,7 +1006,7 @@
           <a:p>
             <a:fld id="{10B8E609-8106-4194-9A1E-806FDC5FBA7B}" type="datetimeFigureOut">
               <a:rPr lang="en-US" smtClean="0"/>
-              <a:t>1/20/2021</a:t>
+              <a:t>1/25/2021</a:t>
             </a:fld>
             <a:endParaRPr lang="en-US"/>
           </a:p>
@@ -1109,10 +1100,9 @@
           <a:lstStyle/>
           <a:p>
             <a:r>
-              <a:rPr lang="en-US" smtClean="0"/>
+              <a:rPr lang="en-US"/>
               <a:t>Click to edit Master title style</a:t>
             </a:r>
-            <a:endParaRPr lang="en-US"/>
           </a:p>
         </p:txBody>
       </p:sp>
@@ -1138,38 +1128,37 @@
           <a:p>
             <a:pPr lvl="0"/>
             <a:r>
-              <a:rPr lang="en-US" smtClean="0"/>
+              <a:rPr lang="en-US"/>
               <a:t>Edit Master text styles</a:t>
             </a:r>
           </a:p>
           <a:p>
             <a:pPr lvl="1"/>
             <a:r>
-              <a:rPr lang="en-US" smtClean="0"/>
+              <a:rPr lang="en-US"/>
               <a:t>Second level</a:t>
             </a:r>
           </a:p>
           <a:p>
             <a:pPr lvl="2"/>
             <a:r>
-              <a:rPr lang="en-US" smtClean="0"/>
+              <a:rPr lang="en-US"/>
               <a:t>Third level</a:t>
             </a:r>
           </a:p>
           <a:p>
             <a:pPr lvl="3"/>
             <a:r>
-              <a:rPr lang="en-US" smtClean="0"/>
+              <a:rPr lang="en-US"/>
               <a:t>Fourth level</a:t>
             </a:r>
           </a:p>
           <a:p>
             <a:pPr lvl="4"/>
             <a:r>
-              <a:rPr lang="en-US" smtClean="0"/>
+              <a:rPr lang="en-US"/>
               <a:t>Fifth level</a:t>
             </a:r>
-            <a:endParaRPr lang="en-US"/>
           </a:p>
         </p:txBody>
       </p:sp>
@@ -1195,38 +1184,37 @@
           <a:p>
             <a:pPr lvl="0"/>
             <a:r>
-              <a:rPr lang="en-US" smtClean="0"/>
+              <a:rPr lang="en-US"/>
               <a:t>Edit Master text styles</a:t>
             </a:r>
           </a:p>
           <a:p>
             <a:pPr lvl="1"/>
             <a:r>
-              <a:rPr lang="en-US" smtClean="0"/>
+              <a:rPr lang="en-US"/>
               <a:t>Second level</a:t>
             </a:r>
           </a:p>
           <a:p>
             <a:pPr lvl="2"/>
             <a:r>
-              <a:rPr lang="en-US" smtClean="0"/>
+              <a:rPr lang="en-US"/>
               <a:t>Third level</a:t>
             </a:r>
           </a:p>
           <a:p>
             <a:pPr lvl="3"/>
             <a:r>
-              <a:rPr lang="en-US" smtClean="0"/>
+              <a:rPr lang="en-US"/>
               <a:t>Fourth level</a:t>
             </a:r>
           </a:p>
           <a:p>
             <a:pPr lvl="4"/>
             <a:r>
-              <a:rPr lang="en-US" smtClean="0"/>
+              <a:rPr lang="en-US"/>
               <a:t>Fifth level</a:t>
             </a:r>
-            <a:endParaRPr lang="en-US"/>
           </a:p>
         </p:txBody>
       </p:sp>
@@ -1247,7 +1235,7 @@
           <a:p>
             <a:fld id="{10B8E609-8106-4194-9A1E-806FDC5FBA7B}" type="datetimeFigureOut">
               <a:rPr lang="en-US" smtClean="0"/>
-              <a:t>1/20/2021</a:t>
+              <a:t>1/25/2021</a:t>
             </a:fld>
             <a:endParaRPr lang="en-US"/>
           </a:p>
@@ -1346,10 +1334,9 @@
           <a:lstStyle/>
           <a:p>
             <a:r>
-              <a:rPr lang="en-US" smtClean="0"/>
+              <a:rPr lang="en-US"/>
               <a:t>Click to edit Master title style</a:t>
             </a:r>
-            <a:endParaRPr lang="en-US"/>
           </a:p>
         </p:txBody>
       </p:sp>
@@ -1412,7 +1399,7 @@
           <a:p>
             <a:pPr lvl="0"/>
             <a:r>
-              <a:rPr lang="en-US" smtClean="0"/>
+              <a:rPr lang="en-US"/>
               <a:t>Edit Master text styles</a:t>
             </a:r>
           </a:p>
@@ -1440,38 +1427,37 @@
           <a:p>
             <a:pPr lvl="0"/>
             <a:r>
-              <a:rPr lang="en-US" smtClean="0"/>
+              <a:rPr lang="en-US"/>
               <a:t>Edit Master text styles</a:t>
             </a:r>
           </a:p>
           <a:p>
             <a:pPr lvl="1"/>
             <a:r>
-              <a:rPr lang="en-US" smtClean="0"/>
+              <a:rPr lang="en-US"/>
               <a:t>Second level</a:t>
             </a:r>
           </a:p>
           <a:p>
             <a:pPr lvl="2"/>
             <a:r>
-              <a:rPr lang="en-US" smtClean="0"/>
+              <a:rPr lang="en-US"/>
               <a:t>Third level</a:t>
             </a:r>
           </a:p>
           <a:p>
             <a:pPr lvl="3"/>
             <a:r>
-              <a:rPr lang="en-US" smtClean="0"/>
+              <a:rPr lang="en-US"/>
               <a:t>Fourth level</a:t>
             </a:r>
           </a:p>
           <a:p>
             <a:pPr lvl="4"/>
             <a:r>
-              <a:rPr lang="en-US" smtClean="0"/>
+              <a:rPr lang="en-US"/>
               <a:t>Fifth level</a:t>
             </a:r>
-            <a:endParaRPr lang="en-US"/>
           </a:p>
         </p:txBody>
       </p:sp>
@@ -1534,7 +1520,7 @@
           <a:p>
             <a:pPr lvl="0"/>
             <a:r>
-              <a:rPr lang="en-US" smtClean="0"/>
+              <a:rPr lang="en-US"/>
               <a:t>Edit Master text styles</a:t>
             </a:r>
           </a:p>
@@ -1562,38 +1548,37 @@
           <a:p>
             <a:pPr lvl="0"/>
             <a:r>
-              <a:rPr lang="en-US" smtClean="0"/>
+              <a:rPr lang="en-US"/>
               <a:t>Edit Master text styles</a:t>
             </a:r>
           </a:p>
           <a:p>
             <a:pPr lvl="1"/>
             <a:r>
-              <a:rPr lang="en-US" smtClean="0"/>
+              <a:rPr lang="en-US"/>
               <a:t>Second level</a:t>
             </a:r>
           </a:p>
           <a:p>
             <a:pPr lvl="2"/>
             <a:r>
-              <a:rPr lang="en-US" smtClean="0"/>
+              <a:rPr lang="en-US"/>
               <a:t>Third level</a:t>
             </a:r>
           </a:p>
           <a:p>
             <a:pPr lvl="3"/>
             <a:r>
-              <a:rPr lang="en-US" smtClean="0"/>
+              <a:rPr lang="en-US"/>
               <a:t>Fourth level</a:t>
             </a:r>
           </a:p>
           <a:p>
             <a:pPr lvl="4"/>
             <a:r>
-              <a:rPr lang="en-US" smtClean="0"/>
+              <a:rPr lang="en-US"/>
               <a:t>Fifth level</a:t>
             </a:r>
-            <a:endParaRPr lang="en-US"/>
           </a:p>
         </p:txBody>
       </p:sp>
@@ -1614,7 +1599,7 @@
           <a:p>
             <a:fld id="{10B8E609-8106-4194-9A1E-806FDC5FBA7B}" type="datetimeFigureOut">
               <a:rPr lang="en-US" smtClean="0"/>
-              <a:t>1/20/2021</a:t>
+              <a:t>1/25/2021</a:t>
             </a:fld>
             <a:endParaRPr lang="en-US"/>
           </a:p>
@@ -1708,10 +1693,9 @@
           <a:lstStyle/>
           <a:p>
             <a:r>
-              <a:rPr lang="en-US" smtClean="0"/>
+              <a:rPr lang="en-US"/>
               <a:t>Click to edit Master title style</a:t>
             </a:r>
-            <a:endParaRPr lang="en-US"/>
           </a:p>
         </p:txBody>
       </p:sp>
@@ -1732,7 +1716,7 @@
           <a:p>
             <a:fld id="{10B8E609-8106-4194-9A1E-806FDC5FBA7B}" type="datetimeFigureOut">
               <a:rPr lang="en-US" smtClean="0"/>
-              <a:t>1/20/2021</a:t>
+              <a:t>1/25/2021</a:t>
             </a:fld>
             <a:endParaRPr lang="en-US"/>
           </a:p>
@@ -1827,7 +1811,7 @@
           <a:p>
             <a:fld id="{10B8E609-8106-4194-9A1E-806FDC5FBA7B}" type="datetimeFigureOut">
               <a:rPr lang="en-US" smtClean="0"/>
-              <a:t>1/20/2021</a:t>
+              <a:t>1/25/2021</a:t>
             </a:fld>
             <a:endParaRPr lang="en-US"/>
           </a:p>
@@ -1930,10 +1914,9 @@
           </a:lstStyle>
           <a:p>
             <a:r>
-              <a:rPr lang="en-US" smtClean="0"/>
+              <a:rPr lang="en-US"/>
               <a:t>Click to edit Master title style</a:t>
             </a:r>
-            <a:endParaRPr lang="en-US"/>
           </a:p>
         </p:txBody>
       </p:sp>
@@ -1987,38 +1970,37 @@
           <a:p>
             <a:pPr lvl="0"/>
             <a:r>
-              <a:rPr lang="en-US" smtClean="0"/>
+              <a:rPr lang="en-US"/>
               <a:t>Edit Master text styles</a:t>
             </a:r>
           </a:p>
           <a:p>
             <a:pPr lvl="1"/>
             <a:r>
-              <a:rPr lang="en-US" smtClean="0"/>
+              <a:rPr lang="en-US"/>
               <a:t>Second level</a:t>
             </a:r>
           </a:p>
           <a:p>
             <a:pPr lvl="2"/>
             <a:r>
-              <a:rPr lang="en-US" smtClean="0"/>
+              <a:rPr lang="en-US"/>
               <a:t>Third level</a:t>
             </a:r>
           </a:p>
           <a:p>
             <a:pPr lvl="3"/>
             <a:r>
-              <a:rPr lang="en-US" smtClean="0"/>
+              <a:rPr lang="en-US"/>
               <a:t>Fourth level</a:t>
             </a:r>
           </a:p>
           <a:p>
             <a:pPr lvl="4"/>
             <a:r>
-              <a:rPr lang="en-US" smtClean="0"/>
+              <a:rPr lang="en-US"/>
               <a:t>Fifth level</a:t>
             </a:r>
-            <a:endParaRPr lang="en-US"/>
           </a:p>
         </p:txBody>
       </p:sp>
@@ -2081,7 +2063,7 @@
           <a:p>
             <a:pPr lvl="0"/>
             <a:r>
-              <a:rPr lang="en-US" smtClean="0"/>
+              <a:rPr lang="en-US"/>
               <a:t>Edit Master text styles</a:t>
             </a:r>
           </a:p>
@@ -2104,7 +2086,7 @@
           <a:p>
             <a:fld id="{10B8E609-8106-4194-9A1E-806FDC5FBA7B}" type="datetimeFigureOut">
               <a:rPr lang="en-US" smtClean="0"/>
-              <a:t>1/20/2021</a:t>
+              <a:t>1/25/2021</a:t>
             </a:fld>
             <a:endParaRPr lang="en-US"/>
           </a:p>
@@ -2207,10 +2189,9 @@
           </a:lstStyle>
           <a:p>
             <a:r>
-              <a:rPr lang="en-US" smtClean="0"/>
+              <a:rPr lang="en-US"/>
               <a:t>Click to edit Master title style</a:t>
             </a:r>
-            <a:endParaRPr lang="en-US"/>
           </a:p>
         </p:txBody>
       </p:sp>
@@ -2334,7 +2315,7 @@
           <a:p>
             <a:pPr lvl="0"/>
             <a:r>
-              <a:rPr lang="en-US" smtClean="0"/>
+              <a:rPr lang="en-US"/>
               <a:t>Edit Master text styles</a:t>
             </a:r>
           </a:p>
@@ -2357,7 +2338,7 @@
           <a:p>
             <a:fld id="{10B8E609-8106-4194-9A1E-806FDC5FBA7B}" type="datetimeFigureOut">
               <a:rPr lang="en-US" smtClean="0"/>
-              <a:t>1/20/2021</a:t>
+              <a:t>1/25/2021</a:t>
             </a:fld>
             <a:endParaRPr lang="en-US"/>
           </a:p>
@@ -2466,10 +2447,9 @@
           <a:lstStyle/>
           <a:p>
             <a:r>
-              <a:rPr lang="en-US" smtClean="0"/>
+              <a:rPr lang="en-US"/>
               <a:t>Click to edit Master title style</a:t>
             </a:r>
-            <a:endParaRPr lang="en-US"/>
           </a:p>
         </p:txBody>
       </p:sp>
@@ -2500,38 +2480,37 @@
           <a:p>
             <a:pPr lvl="0"/>
             <a:r>
-              <a:rPr lang="en-US" smtClean="0"/>
+              <a:rPr lang="en-US"/>
               <a:t>Edit Master text styles</a:t>
             </a:r>
           </a:p>
           <a:p>
             <a:pPr lvl="1"/>
             <a:r>
-              <a:rPr lang="en-US" smtClean="0"/>
+              <a:rPr lang="en-US"/>
               <a:t>Second level</a:t>
             </a:r>
           </a:p>
           <a:p>
             <a:pPr lvl="2"/>
             <a:r>
-              <a:rPr lang="en-US" smtClean="0"/>
+              <a:rPr lang="en-US"/>
               <a:t>Third level</a:t>
             </a:r>
           </a:p>
           <a:p>
             <a:pPr lvl="3"/>
             <a:r>
-              <a:rPr lang="en-US" smtClean="0"/>
+              <a:rPr lang="en-US"/>
               <a:t>Fourth level</a:t>
             </a:r>
           </a:p>
           <a:p>
             <a:pPr lvl="4"/>
             <a:r>
-              <a:rPr lang="en-US" smtClean="0"/>
+              <a:rPr lang="en-US"/>
               <a:t>Fifth level</a:t>
             </a:r>
-            <a:endParaRPr lang="en-US"/>
           </a:p>
         </p:txBody>
       </p:sp>
@@ -2570,7 +2549,7 @@
           <a:p>
             <a:fld id="{10B8E609-8106-4194-9A1E-806FDC5FBA7B}" type="datetimeFigureOut">
               <a:rPr lang="en-US" smtClean="0"/>
-              <a:t>1/20/2021</a:t>
+              <a:t>1/25/2021</a:t>
             </a:fld>
             <a:endParaRPr lang="en-US"/>
           </a:p>
@@ -3071,30 +3050,22 @@
           <a:p>
             <a:pPr algn="ctr"/>
             <a:r>
-              <a:rPr lang="en-US" sz="4800" b="1" u="sng" dirty="0" smtClean="0">
-                <a:latin typeface="Times New Roman" panose="02020603050405020304" pitchFamily="18" charset="0"/>
-                <a:cs typeface="Times New Roman" panose="02020603050405020304" pitchFamily="18" charset="0"/>
-              </a:rPr>
-              <a:t>Document </a:t>
-            </a:r>
-            <a:r>
               <a:rPr lang="en-US" sz="4800" b="1" u="sng" dirty="0">
                 <a:latin typeface="Times New Roman" panose="02020603050405020304" pitchFamily="18" charset="0"/>
                 <a:cs typeface="Times New Roman" panose="02020603050405020304" pitchFamily="18" charset="0"/>
               </a:rPr>
-              <a:t>Management </a:t>
-            </a:r>
-            <a:r>
-              <a:rPr lang="en-US" sz="4800" b="1" u="sng" dirty="0" smtClean="0">
+              <a:t>Stock Price Prediction</a:t>
+            </a:r>
+          </a:p>
+          <a:p>
+            <a:pPr algn="ctr"/>
+            <a:r>
+              <a:rPr lang="en-US" sz="4800" b="1" u="sng" dirty="0">
                 <a:latin typeface="Times New Roman" panose="02020603050405020304" pitchFamily="18" charset="0"/>
                 <a:cs typeface="Times New Roman" panose="02020603050405020304" pitchFamily="18" charset="0"/>
               </a:rPr>
-              <a:t>System</a:t>
-            </a:r>
-            <a:endParaRPr lang="en-US" sz="4800" b="1" u="sng" dirty="0">
-              <a:latin typeface="Times New Roman" panose="02020603050405020304" pitchFamily="18" charset="0"/>
-              <a:cs typeface="Times New Roman" panose="02020603050405020304" pitchFamily="18" charset="0"/>
-            </a:endParaRPr>
+              <a:t>using Machine Learning</a:t>
+            </a:r>
           </a:p>
         </p:txBody>
       </p:sp>
@@ -3126,19 +3097,8 @@
                 <a:latin typeface="Times New Roman" panose="02020603050405020304" pitchFamily="18" charset="0"/>
                 <a:cs typeface="Times New Roman" panose="02020603050405020304" pitchFamily="18" charset="0"/>
               </a:rPr>
-              <a:t>Submitted By : - M.C.A. (Lateral Entry ) </a:t>
-            </a:r>
-            <a:r>
-              <a:rPr lang="en-US" sz="2000" dirty="0" smtClean="0">
-                <a:latin typeface="Times New Roman" panose="02020603050405020304" pitchFamily="18" charset="0"/>
-                <a:cs typeface="Times New Roman" panose="02020603050405020304" pitchFamily="18" charset="0"/>
-              </a:rPr>
-              <a:t>Semester-V</a:t>
-            </a:r>
-            <a:endParaRPr lang="en-US" sz="2000" dirty="0">
-              <a:latin typeface="Times New Roman" panose="02020603050405020304" pitchFamily="18" charset="0"/>
-              <a:cs typeface="Times New Roman" panose="02020603050405020304" pitchFamily="18" charset="0"/>
-            </a:endParaRPr>
+              <a:t>Submitted By : - M.C.A. (Lateral Entry ) Semester-V</a:t>
+            </a:r>
           </a:p>
         </p:txBody>
       </p:sp>
@@ -3165,39 +3125,32 @@
           <a:lstStyle/>
           <a:p>
             <a:r>
-              <a:rPr lang="en-US" sz="2000" dirty="0" smtClean="0">
-                <a:latin typeface="Times New Roman" panose="02020603050405020304" pitchFamily="18" charset="0"/>
-                <a:cs typeface="Times New Roman" panose="02020603050405020304" pitchFamily="18" charset="0"/>
-              </a:rPr>
-              <a:t>KRUNAL J. PATEL </a:t>
-            </a:r>
-          </a:p>
-          <a:p>
-            <a:r>
-              <a:rPr lang="en-US" sz="2000" dirty="0" smtClean="0">
-                <a:latin typeface="Times New Roman" panose="02020603050405020304" pitchFamily="18" charset="0"/>
-                <a:cs typeface="Times New Roman" panose="02020603050405020304" pitchFamily="18" charset="0"/>
-              </a:rPr>
-              <a:t>(</a:t>
-            </a:r>
-            <a:r>
               <a:rPr lang="en-US" sz="2000" dirty="0">
                 <a:latin typeface="Times New Roman" panose="02020603050405020304" pitchFamily="18" charset="0"/>
                 <a:cs typeface="Times New Roman" panose="02020603050405020304" pitchFamily="18" charset="0"/>
               </a:rPr>
-              <a:t>13034212049</a:t>
-            </a:r>
-            <a:r>
-              <a:rPr lang="en-US" sz="2000" dirty="0" smtClean="0">
+              <a:t>Preyash S. </a:t>
+            </a:r>
+            <a:r>
+              <a:rPr lang="en-US" sz="2000" dirty="0" err="1">
                 <a:latin typeface="Times New Roman" panose="02020603050405020304" pitchFamily="18" charset="0"/>
                 <a:cs typeface="Times New Roman" panose="02020603050405020304" pitchFamily="18" charset="0"/>
               </a:rPr>
-              <a:t>)</a:t>
+              <a:t>KaPatel</a:t>
             </a:r>
             <a:endParaRPr lang="en-US" sz="2000" dirty="0">
               <a:latin typeface="Times New Roman" panose="02020603050405020304" pitchFamily="18" charset="0"/>
               <a:cs typeface="Times New Roman" panose="02020603050405020304" pitchFamily="18" charset="0"/>
             </a:endParaRPr>
+          </a:p>
+          <a:p>
+            <a:r>
+              <a:rPr lang="en-US" sz="2000" dirty="0">
+                <a:latin typeface="Times New Roman" panose="02020603050405020304" pitchFamily="18" charset="0"/>
+                <a:cs typeface="Times New Roman" panose="02020603050405020304" pitchFamily="18" charset="0"/>
+              </a:rPr>
+              <a:t>(18034211003)</a:t>
+            </a:r>
           </a:p>
         </p:txBody>
       </p:sp>
@@ -3235,32 +3188,25 @@
           <a:p>
             <a:pPr algn="ctr"/>
             <a:r>
-              <a:rPr lang="en-US" sz="2000" dirty="0" smtClean="0">
+              <a:rPr lang="en-US" sz="2000" strike="sngStrike" dirty="0">
                 <a:latin typeface="Times New Roman" panose="02020603050405020304" pitchFamily="18" charset="0"/>
                 <a:cs typeface="Times New Roman" panose="02020603050405020304" pitchFamily="18" charset="0"/>
               </a:rPr>
               <a:t>Dr. </a:t>
             </a:r>
             <a:r>
-              <a:rPr lang="en-US" sz="2000" dirty="0" err="1" smtClean="0">
+              <a:rPr lang="en-US" sz="2000" strike="sngStrike" dirty="0" err="1">
                 <a:latin typeface="Times New Roman" panose="02020603050405020304" pitchFamily="18" charset="0"/>
                 <a:cs typeface="Times New Roman" panose="02020603050405020304" pitchFamily="18" charset="0"/>
               </a:rPr>
               <a:t>Jigneshkumar</a:t>
             </a:r>
             <a:r>
-              <a:rPr lang="en-US" sz="2000" dirty="0" smtClean="0">
+              <a:rPr lang="en-US" sz="2000" strike="sngStrike" dirty="0">
                 <a:latin typeface="Times New Roman" panose="02020603050405020304" pitchFamily="18" charset="0"/>
                 <a:cs typeface="Times New Roman" panose="02020603050405020304" pitchFamily="18" charset="0"/>
               </a:rPr>
-              <a:t> </a:t>
-            </a:r>
-            <a:r>
-              <a:rPr lang="en-US" sz="2000" dirty="0">
-                <a:latin typeface="Times New Roman" panose="02020603050405020304" pitchFamily="18" charset="0"/>
-                <a:cs typeface="Times New Roman" panose="02020603050405020304" pitchFamily="18" charset="0"/>
-              </a:rPr>
-              <a:t>A. Chauhan</a:t>
+              <a:t> A. Chauhan</a:t>
             </a:r>
           </a:p>
         </p:txBody>
@@ -3289,34 +3235,34 @@
           <a:p>
             <a:pPr algn="ctr"/>
             <a:r>
-              <a:rPr lang="en-US" sz="2000" dirty="0" smtClean="0">
+              <a:rPr lang="en-US" sz="2000" dirty="0">
                 <a:latin typeface="Times New Roman" panose="02020603050405020304" pitchFamily="18" charset="0"/>
                 <a:cs typeface="Times New Roman" panose="02020603050405020304" pitchFamily="18" charset="0"/>
               </a:rPr>
               <a:t>Submitted to </a:t>
             </a:r>
             <a:br>
-              <a:rPr lang="en-US" sz="2000" dirty="0" smtClean="0">
+              <a:rPr lang="en-US" sz="2000" dirty="0">
                 <a:latin typeface="Times New Roman" panose="02020603050405020304" pitchFamily="18" charset="0"/>
                 <a:cs typeface="Times New Roman" panose="02020603050405020304" pitchFamily="18" charset="0"/>
               </a:rPr>
             </a:br>
             <a:r>
-              <a:rPr lang="en-US" sz="2000" dirty="0" smtClean="0">
+              <a:rPr lang="en-US" sz="2000" dirty="0">
                 <a:latin typeface="Times New Roman" panose="02020603050405020304" pitchFamily="18" charset="0"/>
                 <a:cs typeface="Times New Roman" panose="02020603050405020304" pitchFamily="18" charset="0"/>
               </a:rPr>
               <a:t>Acharya </a:t>
             </a:r>
             <a:r>
-              <a:rPr lang="en-US" sz="2000" dirty="0" err="1" smtClean="0">
+              <a:rPr lang="en-US" sz="2000" dirty="0" err="1">
                 <a:latin typeface="Times New Roman" panose="02020603050405020304" pitchFamily="18" charset="0"/>
                 <a:cs typeface="Times New Roman" panose="02020603050405020304" pitchFamily="18" charset="0"/>
               </a:rPr>
               <a:t>Motibhai</a:t>
             </a:r>
             <a:r>
-              <a:rPr lang="en-US" sz="2000" dirty="0" smtClean="0">
+              <a:rPr lang="en-US" sz="2000" dirty="0">
                 <a:latin typeface="Times New Roman" panose="02020603050405020304" pitchFamily="18" charset="0"/>
                 <a:cs typeface="Times New Roman" panose="02020603050405020304" pitchFamily="18" charset="0"/>
               </a:rPr>
@@ -3326,7 +3272,7 @@
           <a:p>
             <a:pPr algn="ctr"/>
             <a:r>
-              <a:rPr lang="en-US" sz="2000" dirty="0" smtClean="0">
+              <a:rPr lang="en-US" sz="2000" dirty="0">
                 <a:latin typeface="Times New Roman" panose="02020603050405020304" pitchFamily="18" charset="0"/>
                 <a:cs typeface="Times New Roman" panose="02020603050405020304" pitchFamily="18" charset="0"/>
               </a:rPr>
@@ -3336,21 +3282,17 @@
           <a:p>
             <a:pPr algn="ctr"/>
             <a:r>
-              <a:rPr lang="en-US" sz="2000" dirty="0" smtClean="0">
+              <a:rPr lang="en-US" sz="2000" dirty="0">
                 <a:latin typeface="Times New Roman" panose="02020603050405020304" pitchFamily="18" charset="0"/>
                 <a:cs typeface="Times New Roman" panose="02020603050405020304" pitchFamily="18" charset="0"/>
               </a:rPr>
               <a:t>Dec-April 2021</a:t>
             </a:r>
-            <a:endParaRPr lang="en-US" sz="2000" dirty="0" smtClean="0">
-              <a:latin typeface="Times New Roman" panose="02020603050405020304" pitchFamily="18" charset="0"/>
-              <a:cs typeface="Times New Roman" panose="02020603050405020304" pitchFamily="18" charset="0"/>
-            </a:endParaRPr>
           </a:p>
           <a:p>
             <a:pPr algn="ctr"/>
             <a:r>
-              <a:rPr lang="en-US" sz="2000" dirty="0" smtClean="0">
+              <a:rPr lang="en-US" sz="2000" dirty="0">
                 <a:latin typeface="Times New Roman" panose="02020603050405020304" pitchFamily="18" charset="0"/>
                 <a:cs typeface="Times New Roman" panose="02020603050405020304" pitchFamily="18" charset="0"/>
               </a:rPr>
@@ -3430,13 +3372,6 @@
   <p:clrMapOvr>
     <a:masterClrMapping/>
   </p:clrMapOvr>
-  <p:timing>
-    <p:tnLst>
-      <p:par>
-        <p:cTn id="1" dur="indefinite" restart="never" nodeType="tmRoot"/>
-      </p:par>
-    </p:tnLst>
-  </p:timing>
 </p:sld>
 </file>
 
@@ -3600,13 +3535,6 @@
   <p:clrMapOvr>
     <a:masterClrMapping/>
   </p:clrMapOvr>
-  <p:timing>
-    <p:tnLst>
-      <p:par>
-        <p:cTn id="1" dur="indefinite" restart="never" nodeType="tmRoot"/>
-      </p:par>
-    </p:tnLst>
-  </p:timing>
 </p:sld>
 </file>
 
@@ -3636,7 +3564,7 @@
           <p:nvPr>
             <p:extLst>
               <p:ext uri="{D42A27DB-BD31-4B8C-83A1-F6EECF244321}">
-                <p14:modId xmlns:p14="http://schemas.microsoft.com/office/powerpoint/2010/main" val="562439896"/>
+                <p14:modId xmlns:p14="http://schemas.microsoft.com/office/powerpoint/2010/main" val="3923962212"/>
               </p:ext>
             </p:extLst>
           </p:nvPr>
@@ -3692,7 +3620,7 @@
                         <a:tabLst/>
                       </a:pPr>
                       <a:r>
-                        <a:rPr kumimoji="0" lang="en-US" sz="2000" b="1" i="0" u="none" strike="noStrike" cap="none" normalizeH="0" baseline="0" dirty="0" smtClean="0">
+                        <a:rPr kumimoji="0" lang="en-US" sz="2000" b="1" i="0" u="none" strike="noStrike" cap="none" normalizeH="0" baseline="0" dirty="0">
                           <a:ln>
                             <a:noFill/>
                           </a:ln>
@@ -3735,7 +3663,7 @@
                         <a:defRPr/>
                       </a:pPr>
                       <a:r>
-                        <a:rPr lang="en-US" sz="2000" b="0" dirty="0" smtClean="0">
+                        <a:rPr lang="en-GB" sz="2000" b="0" dirty="0">
                           <a:solidFill>
                             <a:schemeClr val="tx1"/>
                           </a:solidFill>
@@ -3743,31 +3671,8 @@
                           <a:ea typeface="Verdana" pitchFamily="34" charset="0"/>
                           <a:cs typeface="Times New Roman" pitchFamily="18" charset="0"/>
                         </a:rPr>
-                        <a:t>Document</a:t>
+                        <a:t>Stock Price Prediction using Machine Learning</a:t>
                       </a:r>
-                      <a:r>
-                        <a:rPr lang="en-US" sz="2000" b="0" baseline="0" dirty="0" smtClean="0">
-                          <a:solidFill>
-                            <a:schemeClr val="tx1"/>
-                          </a:solidFill>
-                          <a:latin typeface="Times New Roman" pitchFamily="18" charset="0"/>
-                          <a:ea typeface="Verdana" pitchFamily="34" charset="0"/>
-                          <a:cs typeface="Times New Roman" pitchFamily="18" charset="0"/>
-                        </a:rPr>
-                        <a:t> Management System</a:t>
-                      </a:r>
-                      <a:endParaRPr lang="en-US" sz="2000" b="0" cap="none" spc="0" baseline="0" dirty="0" smtClean="0">
-                        <a:ln>
-                          <a:noFill/>
-                        </a:ln>
-                        <a:solidFill>
-                          <a:schemeClr val="tx1"/>
-                        </a:solidFill>
-                        <a:effectLst/>
-                        <a:latin typeface="Times New Roman" pitchFamily="18" charset="0"/>
-                        <a:ea typeface="Verdana" pitchFamily="34" charset="0"/>
-                        <a:cs typeface="Times New Roman" pitchFamily="18" charset="0"/>
-                      </a:endParaRPr>
                     </a:p>
                   </a:txBody>
                   <a:tcPr marT="45730" marB="45730">
@@ -3806,7 +3711,7 @@
                         <a:defRPr/>
                       </a:pPr>
                       <a:r>
-                        <a:rPr kumimoji="0" lang="en-US" sz="2000" b="1" i="0" u="none" strike="noStrike" cap="none" normalizeH="0" baseline="0" dirty="0" smtClean="0">
+                        <a:rPr kumimoji="0" lang="en-US" sz="2000" b="1" i="0" u="none" strike="noStrike" cap="none" normalizeH="0" baseline="0" dirty="0">
                           <a:ln>
                             <a:noFill/>
                           </a:ln>
@@ -3849,7 +3754,7 @@
                         <a:defRPr/>
                       </a:pPr>
                       <a:r>
-                        <a:rPr lang="en-US" sz="2000" b="0" cap="none" spc="0" baseline="0" dirty="0" smtClean="0">
+                        <a:rPr lang="en-US" sz="2000" b="0" cap="none" spc="0" baseline="0" dirty="0">
                           <a:ln>
                             <a:noFill/>
                           </a:ln>
@@ -3899,7 +3804,7 @@
                         <a:defRPr/>
                       </a:pPr>
                       <a:r>
-                        <a:rPr kumimoji="0" lang="en-US" sz="2000" b="1" i="0" u="none" strike="noStrike" kern="1200" cap="none" normalizeH="0" baseline="0" dirty="0" smtClean="0">
+                        <a:rPr kumimoji="0" lang="en-US" sz="2000" b="1" i="0" u="none" strike="noStrike" kern="1200" cap="none" normalizeH="0" baseline="0" dirty="0">
                           <a:ln>
                             <a:noFill/>
                           </a:ln>
@@ -3949,7 +3854,7 @@
                         <a:defRPr/>
                       </a:pPr>
                       <a:r>
-                        <a:rPr lang="en-US" sz="2000" b="0" dirty="0" smtClean="0">
+                        <a:rPr lang="en-US" sz="2000" b="0" dirty="0">
                           <a:solidFill>
                             <a:schemeClr val="tx1"/>
                           </a:solidFill>
@@ -3957,20 +3862,9 @@
                           <a:ea typeface="Verdana" pitchFamily="34" charset="0"/>
                           <a:cs typeface="Times New Roman" pitchFamily="18" charset="0"/>
                         </a:rPr>
-                        <a:t>To develop a site for maintaining the documents and easily upload, retrieve and view the documents</a:t>
+                        <a:t>To Predict the stock price based on the past and upcoming events.</a:t>
                       </a:r>
-                      <a:r>
-                        <a:rPr lang="en-US" sz="2000" b="0" baseline="0" dirty="0" smtClean="0">
-                          <a:solidFill>
-                            <a:schemeClr val="tx1"/>
-                          </a:solidFill>
-                          <a:latin typeface="Times New Roman" pitchFamily="18" charset="0"/>
-                          <a:ea typeface="Verdana" pitchFamily="34" charset="0"/>
-                          <a:cs typeface="Times New Roman" pitchFamily="18" charset="0"/>
-                        </a:rPr>
-                        <a:t>, share and send the documents.</a:t>
-                      </a:r>
-                      <a:endParaRPr lang="en-US" sz="2000" b="0" cap="none" spc="0" baseline="0" dirty="0" smtClean="0">
+                      <a:endParaRPr lang="en-US" sz="2000" b="0" cap="none" spc="0" baseline="0" dirty="0">
                         <a:ln>
                           <a:noFill/>
                         </a:ln>
@@ -4018,7 +3912,7 @@
                         <a:defRPr/>
                       </a:pPr>
                       <a:r>
-                        <a:rPr kumimoji="0" lang="en-US" sz="2000" b="1" i="0" u="none" strike="noStrike" cap="none" normalizeH="0" baseline="0" dirty="0" smtClean="0">
+                        <a:rPr kumimoji="0" lang="en-US" sz="2000" b="1" i="0" u="none" strike="noStrike" cap="none" normalizeH="0" baseline="0" dirty="0">
                           <a:ln>
                             <a:noFill/>
                           </a:ln>
@@ -4068,7 +3962,7 @@
                         <a:defRPr/>
                       </a:pPr>
                       <a:r>
-                        <a:rPr kumimoji="0" lang="en-US" sz="2000" b="0" i="0" u="none" strike="noStrike" kern="1200" cap="none" normalizeH="0" baseline="0" dirty="0" smtClean="0">
+                        <a:rPr kumimoji="0" lang="en-US" sz="2000" b="0" i="0" u="none" strike="noStrike" kern="1200" cap="none" normalizeH="0" baseline="0" dirty="0">
                           <a:ln>
                             <a:noFill/>
                           </a:ln>
@@ -4080,9 +3974,9 @@
                           <a:ea typeface="Verdana" pitchFamily="34" charset="0"/>
                           <a:cs typeface="Times New Roman" pitchFamily="18" charset="0"/>
                         </a:rPr>
-                        <a:t>PHP 5.2.3</a:t>
+                        <a:t>Django</a:t>
                       </a:r>
-                      <a:endParaRPr lang="en-US" sz="2000" b="0" cap="none" spc="0" baseline="0" dirty="0" smtClean="0">
+                      <a:endParaRPr lang="en-US" sz="2000" b="0" cap="none" spc="0" baseline="0" dirty="0">
                         <a:ln>
                           <a:noFill/>
                         </a:ln>
@@ -4130,7 +4024,7 @@
                         <a:defRPr/>
                       </a:pPr>
                       <a:r>
-                        <a:rPr kumimoji="0" lang="en-US" sz="2000" b="1" i="0" u="none" strike="noStrike" cap="none" normalizeH="0" baseline="0" dirty="0" smtClean="0">
+                        <a:rPr kumimoji="0" lang="en-US" sz="2000" b="1" i="0" u="none" strike="noStrike" cap="none" normalizeH="0" baseline="0" dirty="0">
                           <a:ln>
                             <a:noFill/>
                           </a:ln>
@@ -4144,7 +4038,7 @@
                         </a:rPr>
                         <a:t>Back End </a:t>
                       </a:r>
-                      <a:endParaRPr lang="en-US" sz="2000" b="1" cap="none" spc="0" dirty="0" smtClean="0">
+                      <a:endParaRPr lang="en-US" sz="2000" b="1" cap="none" spc="0" dirty="0">
                         <a:ln>
                           <a:noFill/>
                         </a:ln>
@@ -4185,7 +4079,7 @@
                         <a:defRPr/>
                       </a:pPr>
                       <a:r>
-                        <a:rPr kumimoji="0" lang="en-US" sz="2000" b="0" i="0" u="none" strike="noStrike" kern="1200" cap="none" normalizeH="0" baseline="0" dirty="0" smtClean="0">
+                        <a:rPr kumimoji="0" lang="en-US" sz="2000" b="0" i="0" u="none" strike="noStrike" kern="1200" cap="none" normalizeH="0" baseline="0" dirty="0">
                           <a:ln>
                             <a:noFill/>
                           </a:ln>
@@ -4197,9 +4091,9 @@
                           <a:ea typeface="Verdana" pitchFamily="34" charset="0"/>
                           <a:cs typeface="Times New Roman" pitchFamily="18" charset="0"/>
                         </a:rPr>
-                        <a:t>MySQL 5.1</a:t>
+                        <a:t>Django, Python</a:t>
                       </a:r>
-                      <a:endParaRPr lang="en-US" sz="2000" b="0" cap="none" spc="0" dirty="0" smtClean="0">
+                      <a:endParaRPr lang="en-US" sz="2000" b="0" cap="none" spc="0" dirty="0">
                         <a:ln>
                           <a:noFill/>
                         </a:ln>
@@ -4247,7 +4141,7 @@
                         <a:defRPr/>
                       </a:pPr>
                       <a:r>
-                        <a:rPr kumimoji="0" lang="en-US" sz="2000" b="1" i="0" u="none" strike="noStrike" cap="none" normalizeH="0" baseline="0" dirty="0" smtClean="0">
+                        <a:rPr kumimoji="0" lang="en-US" sz="2000" b="1" i="0" u="none" strike="noStrike" cap="none" normalizeH="0" baseline="0" dirty="0">
                           <a:ln>
                             <a:noFill/>
                           </a:ln>
@@ -4261,7 +4155,7 @@
                         </a:rPr>
                         <a:t>Tool</a:t>
                       </a:r>
-                      <a:endParaRPr lang="en-US" sz="2000" b="1" cap="none" spc="0" dirty="0" smtClean="0">
+                      <a:endParaRPr lang="en-US" sz="2000" b="1" cap="none" spc="0" dirty="0">
                         <a:ln>
                           <a:noFill/>
                         </a:ln>
@@ -4302,7 +4196,7 @@
                         <a:defRPr/>
                       </a:pPr>
                       <a:r>
-                        <a:rPr kumimoji="0" lang="en-US" sz="2000" b="0" i="0" u="none" strike="noStrike" kern="1200" cap="none" normalizeH="0" baseline="0" dirty="0" smtClean="0">
+                        <a:rPr kumimoji="0" lang="en-US" sz="2000" b="0" i="0" u="none" strike="noStrike" kern="1200" cap="none" normalizeH="0" baseline="0" dirty="0">
                           <a:ln>
                             <a:noFill/>
                           </a:ln>
@@ -4314,9 +4208,39 @@
                           <a:ea typeface="Verdana" pitchFamily="34" charset="0"/>
                           <a:cs typeface="Times New Roman" pitchFamily="18" charset="0"/>
                         </a:rPr>
-                        <a:t>Adobe Dreamweaver CS5.5</a:t>
+                        <a:t>Anaconda, Google </a:t>
                       </a:r>
-                      <a:endParaRPr lang="en-US" sz="2000" b="0" cap="none" spc="0" dirty="0" smtClean="0">
+                      <a:r>
+                        <a:rPr kumimoji="0" lang="en-US" sz="2000" b="0" i="0" u="none" strike="noStrike" kern="1200" cap="none" normalizeH="0" baseline="0" dirty="0" err="1">
+                          <a:ln>
+                            <a:noFill/>
+                          </a:ln>
+                          <a:solidFill>
+                            <a:schemeClr val="tx1"/>
+                          </a:solidFill>
+                          <a:effectLst/>
+                          <a:latin typeface="Times New Roman" pitchFamily="18" charset="0"/>
+                          <a:ea typeface="Verdana" pitchFamily="34" charset="0"/>
+                          <a:cs typeface="Times New Roman" pitchFamily="18" charset="0"/>
+                        </a:rPr>
+                        <a:t>Colab</a:t>
+                      </a:r>
+                      <a:r>
+                        <a:rPr kumimoji="0" lang="en-US" sz="2000" b="0" i="0" u="none" strike="noStrike" kern="1200" cap="none" normalizeH="0" baseline="0" dirty="0">
+                          <a:ln>
+                            <a:noFill/>
+                          </a:ln>
+                          <a:solidFill>
+                            <a:schemeClr val="tx1"/>
+                          </a:solidFill>
+                          <a:effectLst/>
+                          <a:latin typeface="Times New Roman" pitchFamily="18" charset="0"/>
+                          <a:ea typeface="Verdana" pitchFamily="34" charset="0"/>
+                          <a:cs typeface="Times New Roman" pitchFamily="18" charset="0"/>
+                        </a:rPr>
+                        <a:t>, </a:t>
+                      </a:r>
+                      <a:endParaRPr lang="en-US" sz="2000" b="0" cap="none" spc="0" dirty="0">
                         <a:ln>
                           <a:noFill/>
                         </a:ln>
@@ -4364,7 +4288,7 @@
                         <a:defRPr/>
                       </a:pPr>
                       <a:r>
-                        <a:rPr kumimoji="0" lang="en-US" sz="2000" b="1" i="0" u="none" strike="noStrike" cap="none" normalizeH="0" baseline="0" dirty="0" smtClean="0">
+                        <a:rPr kumimoji="0" lang="en-US" sz="2000" b="1" i="0" u="none" strike="noStrike" cap="none" normalizeH="0" baseline="0" dirty="0">
                           <a:ln>
                             <a:noFill/>
                           </a:ln>
@@ -4378,7 +4302,7 @@
                         </a:rPr>
                         <a:t>Server</a:t>
                       </a:r>
-                      <a:endParaRPr lang="en-US" sz="2000" b="1" cap="none" spc="0" dirty="0" smtClean="0">
+                      <a:endParaRPr lang="en-US" sz="2000" b="1" cap="none" spc="0" dirty="0">
                         <a:ln>
                           <a:noFill/>
                         </a:ln>
@@ -4419,7 +4343,7 @@
                         <a:defRPr/>
                       </a:pPr>
                       <a:r>
-                        <a:rPr kumimoji="0" lang="en-US" sz="2000" b="0" i="0" u="none" strike="noStrike" kern="1200" cap="none" normalizeH="0" baseline="0" dirty="0" smtClean="0">
+                        <a:rPr kumimoji="0" lang="en-US" sz="2000" b="0" i="0" u="none" strike="noStrike" kern="1200" cap="none" normalizeH="0" baseline="0" dirty="0">
                           <a:ln>
                             <a:noFill/>
                           </a:ln>
@@ -4431,9 +4355,9 @@
                           <a:ea typeface="Verdana" pitchFamily="34" charset="0"/>
                           <a:cs typeface="Times New Roman" pitchFamily="18" charset="0"/>
                         </a:rPr>
-                        <a:t>Wampserver 2.2</a:t>
+                        <a:t>XAMP</a:t>
                       </a:r>
-                      <a:endParaRPr lang="en-US" sz="2000" b="0" cap="none" spc="0" dirty="0" smtClean="0">
+                      <a:endParaRPr lang="en-US" sz="2000" b="0" cap="none" spc="0" dirty="0">
                         <a:ln>
                           <a:noFill/>
                         </a:ln>
@@ -4482,7 +4406,7 @@
                         <a:tabLst/>
                       </a:pPr>
                       <a:r>
-                        <a:rPr kumimoji="0" lang="en-US" sz="2000" b="1" i="0" u="none" strike="noStrike" cap="none" normalizeH="0" baseline="0" dirty="0" smtClean="0">
+                        <a:rPr kumimoji="0" lang="en-US" sz="2000" b="1" i="0" u="none" strike="noStrike" cap="none" normalizeH="0" baseline="0" dirty="0">
                           <a:ln>
                             <a:noFill/>
                           </a:ln>
@@ -4525,7 +4449,7 @@
                         <a:defRPr/>
                       </a:pPr>
                       <a:r>
-                        <a:rPr kumimoji="0" lang="en-US" sz="2000" b="0" i="0" u="none" strike="noStrike" kern="1200" cap="none" normalizeH="0" baseline="0" dirty="0" smtClean="0">
+                        <a:rPr kumimoji="0" lang="en-US" sz="2000" b="0" i="0" u="none" strike="noStrike" kern="1200" cap="none" normalizeH="0" baseline="0" dirty="0">
                           <a:ln>
                             <a:noFill/>
                           </a:ln>
@@ -4537,9 +4461,9 @@
                           <a:ea typeface="Verdana" pitchFamily="34" charset="0"/>
                           <a:cs typeface="Times New Roman" pitchFamily="18" charset="0"/>
                         </a:rPr>
-                        <a:t>Microsoft Office 2010</a:t>
+                        <a:t>Office 365</a:t>
                       </a:r>
-                      <a:endParaRPr lang="en-US" sz="2000" b="0" cap="none" spc="0" dirty="0" smtClean="0">
+                      <a:endParaRPr lang="en-US" sz="2000" b="0" cap="none" spc="0" dirty="0">
                         <a:ln>
                           <a:noFill/>
                         </a:ln>
@@ -4589,7 +4513,7 @@
                         <a:defRPr/>
                       </a:pPr>
                       <a:r>
-                        <a:rPr kumimoji="0" lang="en-US" sz="2000" b="1" i="0" u="none" strike="noStrike" cap="none" normalizeH="0" baseline="0" dirty="0" smtClean="0">
+                        <a:rPr kumimoji="0" lang="en-US" sz="2000" b="1" i="0" u="none" strike="noStrike" cap="none" normalizeH="0" baseline="0" dirty="0">
                           <a:ln>
                             <a:noFill/>
                           </a:ln>
@@ -4624,7 +4548,8 @@
                         <a:defRPr/>
                       </a:pPr>
                       <a:r>
-                        <a:rPr lang="en-US" sz="2000" b="0" dirty="0" smtClean="0">
+                        <a:rPr lang="en-US" sz="2000" b="0" strike="sngStrike" dirty="0">
+                          <a:effectLst/>
                           <a:latin typeface="Times New Roman" pitchFamily="18" charset="0"/>
                           <a:ea typeface="Verdana" pitchFamily="34" charset="0"/>
                           <a:cs typeface="Times New Roman" pitchFamily="18" charset="0"/>
@@ -4632,7 +4557,8 @@
                         <a:t>Dr. </a:t>
                       </a:r>
                       <a:r>
-                        <a:rPr lang="en-US" sz="2000" b="0" dirty="0" err="1" smtClean="0">
+                        <a:rPr lang="en-US" sz="2000" b="0" strike="sngStrike" dirty="0" err="1">
+                          <a:effectLst/>
                           <a:latin typeface="Times New Roman" pitchFamily="18" charset="0"/>
                           <a:ea typeface="Verdana" pitchFamily="34" charset="0"/>
                           <a:cs typeface="Times New Roman" pitchFamily="18" charset="0"/>
@@ -4640,7 +4566,8 @@
                         <a:t>Jigneshkumar</a:t>
                       </a:r>
                       <a:r>
-                        <a:rPr lang="en-US" sz="2000" b="0" dirty="0" smtClean="0">
+                        <a:rPr lang="en-US" sz="2000" b="0" strike="sngStrike" dirty="0">
+                          <a:effectLst/>
                           <a:latin typeface="Times New Roman" pitchFamily="18" charset="0"/>
                           <a:ea typeface="Verdana" pitchFamily="34" charset="0"/>
                           <a:cs typeface="Times New Roman" pitchFamily="18" charset="0"/>
@@ -4648,14 +4575,16 @@
                         <a:t> A. </a:t>
                       </a:r>
                       <a:r>
-                        <a:rPr lang="en-US" sz="2000" b="0" dirty="0" err="1" smtClean="0">
+                        <a:rPr lang="en-US" sz="2000" b="0" strike="sngStrike" dirty="0" err="1">
+                          <a:effectLst/>
                           <a:latin typeface="Times New Roman" pitchFamily="18" charset="0"/>
                           <a:ea typeface="Verdana" pitchFamily="34" charset="0"/>
                           <a:cs typeface="Times New Roman" pitchFamily="18" charset="0"/>
                         </a:rPr>
                         <a:t>Chauhan</a:t>
                       </a:r>
-                      <a:endParaRPr lang="en-US" sz="2000" b="0" dirty="0">
+                      <a:endParaRPr lang="en-US" sz="2000" b="0" strike="sngStrike" dirty="0">
+                        <a:effectLst/>
                         <a:latin typeface="Times New Roman" pitchFamily="18" charset="0"/>
                         <a:ea typeface="Verdana" pitchFamily="34" charset="0"/>
                         <a:cs typeface="Times New Roman" pitchFamily="18" charset="0"/>
@@ -4698,7 +4627,7 @@
                         <a:defRPr/>
                       </a:pPr>
                       <a:r>
-                        <a:rPr kumimoji="0" lang="en-US" sz="2000" b="1" i="0" u="none" strike="noStrike" cap="none" normalizeH="0" baseline="0" dirty="0" smtClean="0">
+                        <a:rPr kumimoji="0" lang="en-US" sz="2000" b="1" i="0" u="none" strike="noStrike" cap="none" normalizeH="0" baseline="0" dirty="0">
                           <a:ln>
                             <a:noFill/>
                           </a:ln>
@@ -4741,20 +4670,28 @@
                         <a:defRPr/>
                       </a:pPr>
                       <a:r>
-                        <a:rPr lang="en-US" sz="2000" b="0" dirty="0" err="1" smtClean="0">
+                        <a:rPr lang="en-US" sz="2000" b="0" dirty="0">
                           <a:latin typeface="Times New Roman" pitchFamily="18" charset="0"/>
                           <a:ea typeface="Verdana" pitchFamily="34" charset="0"/>
                           <a:cs typeface="Times New Roman" pitchFamily="18" charset="0"/>
                         </a:rPr>
-                        <a:t>Krunal</a:t>
+                        <a:t>Preyash Sanjay </a:t>
                       </a:r>
                       <a:r>
-                        <a:rPr lang="en-US" sz="2000" b="0" dirty="0" smtClean="0">
+                        <a:rPr lang="en-US" sz="2000" b="0" dirty="0" err="1">
                           <a:latin typeface="Times New Roman" pitchFamily="18" charset="0"/>
                           <a:ea typeface="Verdana" pitchFamily="34" charset="0"/>
                           <a:cs typeface="Times New Roman" pitchFamily="18" charset="0"/>
                         </a:rPr>
-                        <a:t> J. Patel (13034212049)</a:t>
+                        <a:t>KaPatel</a:t>
+                      </a:r>
+                      <a:r>
+                        <a:rPr lang="en-US" sz="2000" b="0" dirty="0">
+                          <a:latin typeface="Times New Roman" pitchFamily="18" charset="0"/>
+                          <a:ea typeface="Verdana" pitchFamily="34" charset="0"/>
+                          <a:cs typeface="Times New Roman" pitchFamily="18" charset="0"/>
+                        </a:rPr>
+                        <a:t> (1803421003)</a:t>
                       </a:r>
                     </a:p>
                   </a:txBody>
@@ -4793,7 +4730,7 @@
                         <a:tabLst/>
                       </a:pPr>
                       <a:r>
-                        <a:rPr kumimoji="0" lang="en-US" sz="2000" b="1" i="0" u="none" strike="noStrike" cap="none" normalizeH="0" baseline="0" dirty="0" smtClean="0">
+                        <a:rPr kumimoji="0" lang="en-US" sz="2000" b="1" i="0" u="none" strike="noStrike" cap="none" normalizeH="0" baseline="0" dirty="0">
                           <a:ln>
                             <a:noFill/>
                           </a:ln>
@@ -4836,7 +4773,7 @@
                         <a:defRPr/>
                       </a:pPr>
                       <a:r>
-                        <a:rPr kumimoji="0" lang="en-US" sz="2000" b="0" i="0" u="none" strike="noStrike" kern="1200" cap="none" spc="0" normalizeH="0" baseline="0" dirty="0" smtClean="0">
+                        <a:rPr kumimoji="0" lang="en-US" sz="2000" b="0" i="0" u="none" strike="sngStrike" kern="1200" cap="none" spc="0" normalizeH="0" baseline="0" dirty="0">
                           <a:ln>
                             <a:noFill/>
                           </a:ln>
@@ -4850,7 +4787,7 @@
                         </a:rPr>
                         <a:t>01</a:t>
                       </a:r>
-                      <a:endParaRPr lang="en-US" sz="2000" b="0" cap="none" spc="0" dirty="0" smtClean="0">
+                      <a:endParaRPr lang="en-US" sz="2000" b="0" strike="sngStrike" cap="none" spc="0" dirty="0">
                         <a:ln>
                           <a:noFill/>
                         </a:ln>
@@ -4895,7 +4832,7 @@
           <a:noFill/>
         </p:spPr>
         <p:txBody>
-          <a:bodyPr>
+          <a:bodyPr wrap="square">
             <a:spAutoFit/>
             <a:scene3d>
               <a:camera prst="orthographicFront"/>
@@ -4947,13 +4884,6 @@
   <p:clrMapOvr>
     <a:masterClrMapping/>
   </p:clrMapOvr>
-  <p:timing>
-    <p:tnLst>
-      <p:par>
-        <p:cTn id="1" dur="indefinite" restart="never" nodeType="tmRoot"/>
-      </p:par>
-    </p:tnLst>
-  </p:timing>
 </p:sld>
 </file>
 
@@ -5076,13 +5006,6 @@
   <p:clrMapOvr>
     <a:masterClrMapping/>
   </p:clrMapOvr>
-  <p:timing>
-    <p:tnLst>
-      <p:par>
-        <p:cTn id="1" dur="indefinite" restart="never" nodeType="tmRoot"/>
-      </p:par>
-    </p:tnLst>
-  </p:timing>
 </p:sld>
 </file>
 
@@ -5379,7 +5302,7 @@
                 <a:ea typeface="Verdana" pitchFamily="34" charset="0"/>
                 <a:cs typeface="Times New Roman" pitchFamily="18" charset="0"/>
               </a:rPr>
-              <a:t>The  existing system in organization is manual system.There  are no any computerized system available in organization.</a:t>
+              <a:t>The existing system in organization is manual system.There  are no any computerized system available in organization.</a:t>
             </a:r>
           </a:p>
           <a:p>
@@ -5927,13 +5850,6 @@
   <p:clrMapOvr>
     <a:masterClrMapping/>
   </p:clrMapOvr>
-  <p:timing>
-    <p:tnLst>
-      <p:par>
-        <p:cTn id="1" dur="indefinite" restart="never" nodeType="tmRoot"/>
-      </p:par>
-    </p:tnLst>
-  </p:timing>
 </p:sld>
 </file>
 
@@ -6439,13 +6355,6 @@
   <p:clrMapOvr>
     <a:masterClrMapping/>
   </p:clrMapOvr>
-  <p:timing>
-    <p:tnLst>
-      <p:par>
-        <p:cTn id="1" dur="indefinite" restart="never" nodeType="tmRoot"/>
-      </p:par>
-    </p:tnLst>
-  </p:timing>
 </p:sld>
 </file>
 
@@ -6556,13 +6465,6 @@
   <p:clrMapOvr>
     <a:masterClrMapping/>
   </p:clrMapOvr>
-  <p:timing>
-    <p:tnLst>
-      <p:par>
-        <p:cTn id="1" dur="indefinite" restart="never" nodeType="tmRoot"/>
-      </p:par>
-    </p:tnLst>
-  </p:timing>
 </p:sld>
 </file>
 

--- a/Project Presentation/PPT demo first presentation 26 12 2020.pptx
+++ b/Project Presentation/PPT demo first presentation 26 12 2020.pptx
@@ -247,7 +247,7 @@
           <a:p>
             <a:fld id="{10B8E609-8106-4194-9A1E-806FDC5FBA7B}" type="datetimeFigureOut">
               <a:rPr lang="en-US" smtClean="0"/>
-              <a:t>1/25/2021</a:t>
+              <a:t>1/26/2021</a:t>
             </a:fld>
             <a:endParaRPr lang="en-US"/>
           </a:p>
@@ -415,7 +415,7 @@
           <a:p>
             <a:fld id="{10B8E609-8106-4194-9A1E-806FDC5FBA7B}" type="datetimeFigureOut">
               <a:rPr lang="en-US" smtClean="0"/>
-              <a:t>1/25/2021</a:t>
+              <a:t>1/26/2021</a:t>
             </a:fld>
             <a:endParaRPr lang="en-US"/>
           </a:p>
@@ -593,7 +593,7 @@
           <a:p>
             <a:fld id="{10B8E609-8106-4194-9A1E-806FDC5FBA7B}" type="datetimeFigureOut">
               <a:rPr lang="en-US" smtClean="0"/>
-              <a:t>1/25/2021</a:t>
+              <a:t>1/26/2021</a:t>
             </a:fld>
             <a:endParaRPr lang="en-US"/>
           </a:p>
@@ -761,7 +761,7 @@
           <a:p>
             <a:fld id="{10B8E609-8106-4194-9A1E-806FDC5FBA7B}" type="datetimeFigureOut">
               <a:rPr lang="en-US" smtClean="0"/>
-              <a:t>1/25/2021</a:t>
+              <a:t>1/26/2021</a:t>
             </a:fld>
             <a:endParaRPr lang="en-US"/>
           </a:p>
@@ -1006,7 +1006,7 @@
           <a:p>
             <a:fld id="{10B8E609-8106-4194-9A1E-806FDC5FBA7B}" type="datetimeFigureOut">
               <a:rPr lang="en-US" smtClean="0"/>
-              <a:t>1/25/2021</a:t>
+              <a:t>1/26/2021</a:t>
             </a:fld>
             <a:endParaRPr lang="en-US"/>
           </a:p>
@@ -1235,7 +1235,7 @@
           <a:p>
             <a:fld id="{10B8E609-8106-4194-9A1E-806FDC5FBA7B}" type="datetimeFigureOut">
               <a:rPr lang="en-US" smtClean="0"/>
-              <a:t>1/25/2021</a:t>
+              <a:t>1/26/2021</a:t>
             </a:fld>
             <a:endParaRPr lang="en-US"/>
           </a:p>
@@ -1599,7 +1599,7 @@
           <a:p>
             <a:fld id="{10B8E609-8106-4194-9A1E-806FDC5FBA7B}" type="datetimeFigureOut">
               <a:rPr lang="en-US" smtClean="0"/>
-              <a:t>1/25/2021</a:t>
+              <a:t>1/26/2021</a:t>
             </a:fld>
             <a:endParaRPr lang="en-US"/>
           </a:p>
@@ -1716,7 +1716,7 @@
           <a:p>
             <a:fld id="{10B8E609-8106-4194-9A1E-806FDC5FBA7B}" type="datetimeFigureOut">
               <a:rPr lang="en-US" smtClean="0"/>
-              <a:t>1/25/2021</a:t>
+              <a:t>1/26/2021</a:t>
             </a:fld>
             <a:endParaRPr lang="en-US"/>
           </a:p>
@@ -1811,7 +1811,7 @@
           <a:p>
             <a:fld id="{10B8E609-8106-4194-9A1E-806FDC5FBA7B}" type="datetimeFigureOut">
               <a:rPr lang="en-US" smtClean="0"/>
-              <a:t>1/25/2021</a:t>
+              <a:t>1/26/2021</a:t>
             </a:fld>
             <a:endParaRPr lang="en-US"/>
           </a:p>
@@ -2086,7 +2086,7 @@
           <a:p>
             <a:fld id="{10B8E609-8106-4194-9A1E-806FDC5FBA7B}" type="datetimeFigureOut">
               <a:rPr lang="en-US" smtClean="0"/>
-              <a:t>1/25/2021</a:t>
+              <a:t>1/26/2021</a:t>
             </a:fld>
             <a:endParaRPr lang="en-US"/>
           </a:p>
@@ -2338,7 +2338,7 @@
           <a:p>
             <a:fld id="{10B8E609-8106-4194-9A1E-806FDC5FBA7B}" type="datetimeFigureOut">
               <a:rPr lang="en-US" smtClean="0"/>
-              <a:t>1/25/2021</a:t>
+              <a:t>1/26/2021</a:t>
             </a:fld>
             <a:endParaRPr lang="en-US"/>
           </a:p>
@@ -2549,7 +2549,7 @@
           <a:p>
             <a:fld id="{10B8E609-8106-4194-9A1E-806FDC5FBA7B}" type="datetimeFigureOut">
               <a:rPr lang="en-US" smtClean="0"/>
-              <a:t>1/25/2021</a:t>
+              <a:t>1/26/2021</a:t>
             </a:fld>
             <a:endParaRPr lang="en-US"/>
           </a:p>
@@ -3097,7 +3097,7 @@
                 <a:latin typeface="Times New Roman" panose="02020603050405020304" pitchFamily="18" charset="0"/>
                 <a:cs typeface="Times New Roman" panose="02020603050405020304" pitchFamily="18" charset="0"/>
               </a:rPr>
-              <a:t>Submitted By : - M.C.A. (Lateral Entry ) Semester-V</a:t>
+              <a:t>Submitted By : - M.C.A. (Regular Entry) Semester-V</a:t>
             </a:r>
           </a:p>
         </p:txBody>
@@ -5231,7 +5231,7 @@
         <p:spPr>
           <a:xfrm>
             <a:off x="2057401" y="1066801"/>
-            <a:ext cx="8126413" cy="3471863"/>
+            <a:ext cx="8126413" cy="3083921"/>
           </a:xfrm>
           <a:prstGeom prst="rect">
             <a:avLst/>
@@ -5298,15 +5298,15 @@
             </a:pPr>
             <a:r>
               <a:rPr lang="en-US" dirty="0">
-                <a:latin typeface="Times New Roman" pitchFamily="18" charset="0"/>
+                <a:latin typeface="Times New Roman" panose="02020603050405020304" pitchFamily="18" charset="0"/>
                 <a:ea typeface="Verdana" pitchFamily="34" charset="0"/>
                 <a:cs typeface="Times New Roman" pitchFamily="18" charset="0"/>
               </a:rPr>
-              <a:t>The existing system in organization is manual system.There  are no any computerized system available in organization.</a:t>
-            </a:r>
-          </a:p>
-          <a:p>
-            <a:pPr marL="342900" indent="-342900" algn="just">
+              <a:t>Money related transaction require high alertness of statistical insights of history and future events, In such case taking decision of stake sale, hold or buy are difficult.</a:t>
+            </a:r>
+          </a:p>
+          <a:p>
+            <a:pPr marL="285750" indent="-285750" algn="just">
               <a:spcBef>
                 <a:spcPct val="20000"/>
               </a:spcBef>
@@ -5319,15 +5319,14 @@
             </a:pPr>
             <a:r>
               <a:rPr lang="en-US" dirty="0">
-                <a:latin typeface="Times New Roman" pitchFamily="18" charset="0"/>
-                <a:ea typeface="Verdana" pitchFamily="34" charset="0"/>
-                <a:cs typeface="Times New Roman" pitchFamily="18" charset="0"/>
+                <a:latin typeface="Times New Roman" panose="02020603050405020304" pitchFamily="18" charset="0"/>
+                <a:cs typeface="Times New Roman" panose="02020603050405020304" pitchFamily="18" charset="0"/>
               </a:rPr>
-              <a:t>In the existing systems all the documents record of  faculty, student or University details are prepare  either in paper or forms and files.</a:t>
-            </a:r>
-          </a:p>
-          <a:p>
-            <a:pPr marL="342900" indent="-342900" algn="just">
+              <a:t>Before taking decision we need to look at the past data, stock patterns, Recent news and judging the price takes time and it might end up in slow decision, incomplete information etc.</a:t>
+            </a:r>
+          </a:p>
+          <a:p>
+            <a:pPr marL="285750" indent="-285750" algn="just">
               <a:spcBef>
                 <a:spcPct val="20000"/>
               </a:spcBef>
@@ -5340,53 +5339,11 @@
             </a:pPr>
             <a:r>
               <a:rPr lang="en-US" dirty="0">
-                <a:latin typeface="Times New Roman" pitchFamily="18" charset="0"/>
-                <a:ea typeface="Verdana" pitchFamily="34" charset="0"/>
-                <a:cs typeface="Times New Roman" pitchFamily="18" charset="0"/>
+                <a:latin typeface="Times New Roman" panose="02020603050405020304" pitchFamily="18" charset="0"/>
+                <a:cs typeface="Times New Roman" panose="02020603050405020304" pitchFamily="18" charset="0"/>
               </a:rPr>
-              <a:t>In any organization all the documents are handle or manage and working not properly. It is less accurate on work for the organization</a:t>
-            </a:r>
-          </a:p>
-          <a:p>
-            <a:pPr marL="342900" indent="-342900" algn="just">
-              <a:spcBef>
-                <a:spcPct val="20000"/>
-              </a:spcBef>
-              <a:buClr>
-                <a:srgbClr val="0070C0"/>
-              </a:buClr>
-              <a:buFont typeface="Wingdings" pitchFamily="2" charset="2"/>
-              <a:buChar char="q"/>
-              <a:defRPr/>
-            </a:pPr>
-            <a:r>
-              <a:rPr lang="en-US" dirty="0">
-                <a:latin typeface="Times New Roman" pitchFamily="18" charset="0"/>
-                <a:ea typeface="Verdana" pitchFamily="34" charset="0"/>
-                <a:cs typeface="Times New Roman" pitchFamily="18" charset="0"/>
-              </a:rPr>
-              <a:t>In existing systems it is not possible to have a right information in  the right place at the right time to maintain the documents </a:t>
-            </a:r>
-          </a:p>
-          <a:p>
-            <a:pPr marL="342900" indent="-342900" algn="just">
-              <a:spcBef>
-                <a:spcPct val="20000"/>
-              </a:spcBef>
-              <a:buClr>
-                <a:srgbClr val="0070C0"/>
-              </a:buClr>
-              <a:buFont typeface="Wingdings" pitchFamily="2" charset="2"/>
-              <a:buChar char="q"/>
-              <a:defRPr/>
-            </a:pPr>
-            <a:endParaRPr lang="en-US" dirty="0">
-              <a:solidFill>
-                <a:srgbClr val="660066"/>
-              </a:solidFill>
-              <a:latin typeface="Arial" charset="0"/>
-              <a:cs typeface="Arial" charset="0"/>
-            </a:endParaRPr>
+              <a:t>Taking the Stake sale/buy/Hold based on emotion and incomplete information may perform false prediction.</a:t>
+            </a:r>
           </a:p>
         </p:txBody>
       </p:sp>
@@ -5598,7 +5555,7 @@
         <p:spPr bwMode="auto">
           <a:xfrm>
             <a:off x="2133600" y="4876800"/>
-            <a:ext cx="6553200" cy="1397000"/>
+            <a:ext cx="6553200" cy="1034129"/>
           </a:xfrm>
           <a:prstGeom prst="rect">
             <a:avLst/>
@@ -5771,12 +5728,12 @@
               <a:buChar char="§"/>
             </a:pPr>
             <a:r>
-              <a:rPr lang="en-US" altLang="en-US" sz="1800">
+              <a:rPr lang="en-US" altLang="en-US" sz="1800" dirty="0">
                 <a:latin typeface="Times New Roman" panose="02020603050405020304" pitchFamily="18" charset="0"/>
                 <a:ea typeface="Verdana" panose="020B0604030504040204" pitchFamily="34" charset="0"/>
                 <a:cs typeface="Times New Roman" panose="02020603050405020304" pitchFamily="18" charset="0"/>
               </a:rPr>
-              <a:t>The Manual System is totally depends on paper work.</a:t>
+              <a:t>Incomplete Information</a:t>
             </a:r>
           </a:p>
           <a:p>
@@ -5788,12 +5745,12 @@
               <a:buChar char="§"/>
             </a:pPr>
             <a:r>
-              <a:rPr lang="en-US" altLang="en-US" sz="1800">
+              <a:rPr lang="en-US" altLang="en-US" sz="1800" dirty="0">
                 <a:latin typeface="Times New Roman" panose="02020603050405020304" pitchFamily="18" charset="0"/>
                 <a:ea typeface="Verdana" panose="020B0604030504040204" pitchFamily="34" charset="0"/>
                 <a:cs typeface="Times New Roman" panose="02020603050405020304" pitchFamily="18" charset="0"/>
               </a:rPr>
-              <a:t>Unsorted documents.</a:t>
+              <a:t>Emotion based Decision</a:t>
             </a:r>
           </a:p>
           <a:p>
@@ -5805,31 +5762,14 @@
               <a:buChar char="§"/>
             </a:pPr>
             <a:r>
-              <a:rPr lang="en-US" altLang="en-US" sz="1800">
+              <a:rPr lang="en-US" altLang="en-US" sz="1800" dirty="0">
                 <a:latin typeface="Times New Roman" panose="02020603050405020304" pitchFamily="18" charset="0"/>
                 <a:ea typeface="Verdana" panose="020B0604030504040204" pitchFamily="34" charset="0"/>
                 <a:cs typeface="Times New Roman" panose="02020603050405020304" pitchFamily="18" charset="0"/>
               </a:rPr>
-              <a:t>Lack of Security.</a:t>
-            </a:r>
-          </a:p>
-          <a:p>
-            <a:pPr algn="just" eaLnBrk="1" hangingPunct="1">
-              <a:buClr>
-                <a:srgbClr val="0070C0"/>
-              </a:buClr>
-              <a:buFont typeface="Wingdings" panose="05000000000000000000" pitchFamily="2" charset="2"/>
-              <a:buChar char="§"/>
-            </a:pPr>
-            <a:r>
-              <a:rPr lang="en-US" altLang="en-US" sz="1800">
-                <a:latin typeface="Times New Roman" panose="02020603050405020304" pitchFamily="18" charset="0"/>
-                <a:ea typeface="Verdana" panose="020B0604030504040204" pitchFamily="34" charset="0"/>
-                <a:cs typeface="Times New Roman" panose="02020603050405020304" pitchFamily="18" charset="0"/>
-              </a:rPr>
-              <a:t>Searching is difficult.</a:t>
-            </a:r>
-            <a:endParaRPr lang="en-US" altLang="en-US" sz="1800">
+              <a:t>Unawareness of stock price patterns </a:t>
+            </a:r>
+            <a:endParaRPr lang="en-US" altLang="en-US" sz="1800" dirty="0">
               <a:solidFill>
                 <a:srgbClr val="660066"/>
               </a:solidFill>
@@ -6075,7 +6015,7 @@
         <p:spPr>
           <a:xfrm>
             <a:off x="1828800" y="1771650"/>
-            <a:ext cx="8610600" cy="3638550"/>
+            <a:ext cx="8610600" cy="2973122"/>
           </a:xfrm>
           <a:prstGeom prst="rect">
             <a:avLst/>
@@ -6108,7 +6048,7 @@
                 <a:ea typeface="Verdana" pitchFamily="34" charset="0"/>
                 <a:cs typeface="Times New Roman" pitchFamily="18" charset="0"/>
               </a:rPr>
-              <a:t>Reduced Storage </a:t>
+              <a:t>Rapid Decision </a:t>
             </a:r>
             <a:r>
               <a:rPr lang="en-US" b="1" dirty="0">
@@ -6138,7 +6078,7 @@
                 <a:ea typeface="Verdana" pitchFamily="34" charset="0"/>
                 <a:cs typeface="Times New Roman" pitchFamily="18" charset="0"/>
               </a:rPr>
-              <a:t>	- User can store the files or documents in small amount of memory.</a:t>
+              <a:t>	- User can take decision rapidly as it is performed autonomous.</a:t>
             </a:r>
           </a:p>
           <a:p>
@@ -6181,7 +6121,18 @@
                 <a:ea typeface="Verdana" pitchFamily="34" charset="0"/>
                 <a:cs typeface="Times New Roman" pitchFamily="18" charset="0"/>
               </a:rPr>
-              <a:t>Faster Retrieval or Search</a:t>
+              <a:t>Improved </a:t>
+            </a:r>
+            <a:r>
+              <a:rPr lang="en-US" b="1" u="sng" dirty="0" err="1">
+                <a:solidFill>
+                  <a:srgbClr val="0033CC"/>
+                </a:solidFill>
+                <a:latin typeface="Times New Roman" pitchFamily="18" charset="0"/>
+                <a:ea typeface="Verdana" pitchFamily="34" charset="0"/>
+                <a:cs typeface="Times New Roman" pitchFamily="18" charset="0"/>
+              </a:rPr>
+              <a:t>Accurecy</a:t>
             </a:r>
             <a:r>
               <a:rPr lang="en-US" b="1" dirty="0">
@@ -6211,26 +6162,7 @@
                 <a:ea typeface="Verdana" pitchFamily="34" charset="0"/>
                 <a:cs typeface="Times New Roman" pitchFamily="18" charset="0"/>
               </a:rPr>
-              <a:t>	-  User can search or retrieval  the  documents  by advance searching    	                      </a:t>
-            </a:r>
-          </a:p>
-          <a:p>
-            <a:pPr>
-              <a:spcBef>
-                <a:spcPct val="20000"/>
-              </a:spcBef>
-              <a:buClr>
-                <a:srgbClr val="0070C0"/>
-              </a:buClr>
-              <a:defRPr/>
-            </a:pPr>
-            <a:r>
-              <a:rPr lang="en-US" dirty="0">
-                <a:latin typeface="Times New Roman" pitchFamily="18" charset="0"/>
-                <a:ea typeface="Verdana" pitchFamily="34" charset="0"/>
-                <a:cs typeface="Times New Roman" pitchFamily="18" charset="0"/>
-              </a:rPr>
-              <a:t>                    facility like date wise, course wise, designation wise and staff wise.</a:t>
+              <a:t>	-  User can use the result to take decision for stake sale or hold or buy</a:t>
             </a:r>
           </a:p>
           <a:p>
@@ -6272,7 +6204,7 @@
                 <a:ea typeface="Verdana" pitchFamily="34" charset="0"/>
                 <a:cs typeface="Times New Roman" pitchFamily="18" charset="0"/>
               </a:rPr>
-              <a:t>Provide Security</a:t>
+              <a:t>Based on Historic data</a:t>
             </a:r>
             <a:r>
               <a:rPr lang="en-US" b="1" dirty="0">
@@ -6302,26 +6234,7 @@
                 <a:ea typeface="Verdana" pitchFamily="34" charset="0"/>
                 <a:cs typeface="Times New Roman" pitchFamily="18" charset="0"/>
               </a:rPr>
-              <a:t> -  A DMS can provide better security like admin give the permission</a:t>
-            </a:r>
-          </a:p>
-          <a:p>
-            <a:pPr lvl="2">
-              <a:spcBef>
-                <a:spcPct val="20000"/>
-              </a:spcBef>
-              <a:buClr>
-                <a:srgbClr val="0070C0"/>
-              </a:buClr>
-              <a:defRPr/>
-            </a:pPr>
-            <a:r>
-              <a:rPr lang="en-US" dirty="0">
-                <a:latin typeface="Times New Roman" pitchFamily="18" charset="0"/>
-                <a:ea typeface="Verdana" pitchFamily="34" charset="0"/>
-                <a:cs typeface="Times New Roman" pitchFamily="18" charset="0"/>
-              </a:rPr>
-              <a:t>   authentication user  to access the documents and modified it.</a:t>
+              <a:t> -  Prediction are based on historic data and past events.</a:t>
             </a:r>
             <a:endParaRPr lang="en-US" dirty="0">
               <a:solidFill>
